--- a/tutorial_material/TS20181011/TS20181011.pptx
+++ b/tutorial_material/TS20181011/TS20181011.pptx
@@ -10598,8 +10598,8 @@
           </a:p>
         </p:txBody>
       </p:sp>
-      <mc:AlternateContent xmlns:mc="http://schemas.openxmlformats.org/markup-compatibility/2006" xmlns:a14="http://schemas.microsoft.com/office/drawing/2010/main">
-        <mc:Choice Requires="a14">
+      <mc:AlternateContent xmlns:mc="http://schemas.openxmlformats.org/markup-compatibility/2006">
+        <mc:Choice xmlns:a14="http://schemas.microsoft.com/office/drawing/2010/main" Requires="a14">
           <p:sp>
             <p:nvSpPr>
               <p:cNvPr id="3" name="Content Placeholder 2">
@@ -11003,7 +11003,7 @@
                           <a:rPr lang="en-US" b="0" i="1" smtClean="0">
                             <a:latin typeface="Cambria Math" panose="02040503050406030204" pitchFamily="18" charset="0"/>
                           </a:rPr>
-                          <m:t>𝐿</m:t>
+                          <m:t>𝑀</m:t>
                         </m:r>
                       </m:sub>
                     </m:sSub>
@@ -11185,7 +11185,7 @@
             </p:txBody>
           </p:sp>
         </mc:Choice>
-        <mc:Fallback xmlns="">
+        <mc:Fallback>
           <p:sp>
             <p:nvSpPr>
               <p:cNvPr id="3" name="Content Placeholder 2">
@@ -11287,8 +11287,8 @@
           </a:p>
         </p:txBody>
       </p:sp>
-      <mc:AlternateContent xmlns:mc="http://schemas.openxmlformats.org/markup-compatibility/2006" xmlns:a14="http://schemas.microsoft.com/office/drawing/2010/main">
-        <mc:Choice Requires="a14">
+      <mc:AlternateContent xmlns:mc="http://schemas.openxmlformats.org/markup-compatibility/2006">
+        <mc:Choice xmlns:a14="http://schemas.microsoft.com/office/drawing/2010/main" Requires="a14">
           <p:sp>
             <p:nvSpPr>
               <p:cNvPr id="3" name="Content Placeholder 2">
@@ -12047,7 +12047,7 @@
                           <a:rPr lang="en-US" b="0" i="1" smtClean="0">
                             <a:latin typeface="Cambria Math" panose="02040503050406030204" pitchFamily="18" charset="0"/>
                           </a:rPr>
-                          <m:t>𝐿</m:t>
+                          <m:t>𝑀</m:t>
                         </m:r>
                       </m:sub>
                     </m:sSub>
@@ -12206,7 +12206,7 @@
             </p:txBody>
           </p:sp>
         </mc:Choice>
-        <mc:Fallback xmlns="">
+        <mc:Fallback>
           <p:sp>
             <p:nvSpPr>
               <p:cNvPr id="3" name="Content Placeholder 2">
@@ -12274,7 +12274,7 @@
           <a:graphicData uri="http://schemas.openxmlformats.org/presentationml/2006/ole">
             <mc:AlternateContent xmlns:mc="http://schemas.openxmlformats.org/markup-compatibility/2006">
               <mc:Choice xmlns:v="urn:schemas-microsoft-com:vml" Requires="v">
-                <p:oleObj spid="_x0000_s1044" name="AxMath" r:id="rId4" imgW="2304360" imgH="1732320" progId="Equation.AxMath">
+                <p:oleObj spid="_x0000_s1046" name="AxMath" r:id="rId4" imgW="2304360" imgH="1732320" progId="Equation.AxMath">
                   <p:embed/>
                 </p:oleObj>
               </mc:Choice>
@@ -12337,7 +12337,7 @@
           <a:graphicData uri="http://schemas.openxmlformats.org/presentationml/2006/ole">
             <mc:AlternateContent xmlns:mc="http://schemas.openxmlformats.org/markup-compatibility/2006">
               <mc:Choice xmlns:v="urn:schemas-microsoft-com:vml" Requires="v">
-                <p:oleObj spid="_x0000_s1045" name="AxMath" r:id="rId6" imgW="5075640" imgH="2160720" progId="Equation.AxMath">
+                <p:oleObj spid="_x0000_s1047" name="AxMath" r:id="rId6" imgW="5075640" imgH="2160720" progId="Equation.AxMath">
                   <p:embed/>
                 </p:oleObj>
               </mc:Choice>
@@ -12739,8 +12739,8 @@
           </a:p>
         </p:txBody>
       </p:sp>
-      <mc:AlternateContent xmlns:mc="http://schemas.openxmlformats.org/markup-compatibility/2006" xmlns:a14="http://schemas.microsoft.com/office/drawing/2010/main">
-        <mc:Choice Requires="a14">
+      <mc:AlternateContent xmlns:mc="http://schemas.openxmlformats.org/markup-compatibility/2006">
+        <mc:Choice xmlns:a14="http://schemas.microsoft.com/office/drawing/2010/main" Requires="a14">
           <p:sp>
             <p:nvSpPr>
               <p:cNvPr id="3" name="Content Placeholder 2">
@@ -12998,7 +12998,7 @@
                           <a:rPr lang="en-US" altLang="zh-CN" b="0" i="1" smtClean="0">
                             <a:latin typeface="Cambria Math" panose="02040503050406030204" pitchFamily="18" charset="0"/>
                           </a:rPr>
-                          <m:t>𝐿</m:t>
+                          <m:t>𝑀</m:t>
                         </m:r>
                       </m:sub>
                     </m:sSub>
@@ -13355,7 +13355,7 @@
             </p:txBody>
           </p:sp>
         </mc:Choice>
-        <mc:Fallback xmlns="">
+        <mc:Fallback>
           <p:sp>
             <p:nvSpPr>
               <p:cNvPr id="3" name="Content Placeholder 2">
